--- a/Documents/presentation_final_1.pptx
+++ b/Documents/presentation_final_1.pptx
@@ -266,11 +266,11 @@
         </c:dLbls>
         <c:marker val="1"/>
         <c:smooth val="0"/>
-        <c:axId val="409697608"/>
-        <c:axId val="403641848"/>
+        <c:axId val="430937656"/>
+        <c:axId val="430940840"/>
       </c:lineChart>
       <c:catAx>
-        <c:axId val="409697608"/>
+        <c:axId val="430937656"/>
         <c:scaling>
           <c:orientation val="minMax"/>
         </c:scaling>
@@ -293,7 +293,7 @@
             <a:endParaRPr lang="en-US"/>
           </a:p>
         </c:txPr>
-        <c:crossAx val="403641848"/>
+        <c:crossAx val="430940840"/>
         <c:crosses val="autoZero"/>
         <c:auto val="1"/>
         <c:lblAlgn val="ctr"/>
@@ -301,7 +301,7 @@
         <c:noMultiLvlLbl val="0"/>
       </c:catAx>
       <c:valAx>
-        <c:axId val="403641848"/>
+        <c:axId val="430940840"/>
         <c:scaling>
           <c:orientation val="minMax"/>
           <c:max val="25.0"/>
@@ -313,7 +313,7 @@
         <c:majorTickMark val="none"/>
         <c:minorTickMark val="none"/>
         <c:tickLblPos val="nextTo"/>
-        <c:crossAx val="409697608"/>
+        <c:crossAx val="430937656"/>
         <c:crosses val="autoZero"/>
         <c:crossBetween val="between"/>
       </c:valAx>
@@ -477,11 +477,11 @@
         </c:dLbls>
         <c:marker val="1"/>
         <c:smooth val="0"/>
-        <c:axId val="857330440"/>
-        <c:axId val="532284120"/>
+        <c:axId val="677468920"/>
+        <c:axId val="677472104"/>
       </c:lineChart>
       <c:catAx>
-        <c:axId val="857330440"/>
+        <c:axId val="677468920"/>
         <c:scaling>
           <c:orientation val="minMax"/>
         </c:scaling>
@@ -504,7 +504,7 @@
             <a:endParaRPr lang="en-US"/>
           </a:p>
         </c:txPr>
-        <c:crossAx val="532284120"/>
+        <c:crossAx val="677472104"/>
         <c:crosses val="autoZero"/>
         <c:auto val="1"/>
         <c:lblAlgn val="ctr"/>
@@ -512,7 +512,7 @@
         <c:noMultiLvlLbl val="0"/>
       </c:catAx>
       <c:valAx>
-        <c:axId val="532284120"/>
+        <c:axId val="677472104"/>
         <c:scaling>
           <c:orientation val="minMax"/>
           <c:max val="25.0"/>
@@ -524,7 +524,7 @@
         <c:majorTickMark val="none"/>
         <c:minorTickMark val="none"/>
         <c:tickLblPos val="nextTo"/>
-        <c:crossAx val="857330440"/>
+        <c:crossAx val="677468920"/>
         <c:crosses val="autoZero"/>
         <c:crossBetween val="between"/>
       </c:valAx>
@@ -4167,11 +4167,6 @@
               </a:rPr>
               <a:t>Cooperation of industry standard software and outsourced cloud hosting:</a:t>
             </a:r>
-            <a:endParaRPr lang="en-US" dirty="0" smtClean="0">
-              <a:solidFill>
-                <a:schemeClr val="bg1"/>
-              </a:solidFill>
-            </a:endParaRPr>
           </a:p>
           <a:p>
             <a:r>
@@ -4328,14 +4323,10 @@
   </p:clrMapOvr>
   <mc:AlternateContent xmlns:mc="http://schemas.openxmlformats.org/markup-compatibility/2006">
     <mc:Choice xmlns:p14="http://schemas.microsoft.com/office/powerpoint/2010/main" Requires="p14">
-      <p:transition spd="slow" p14:dur="1500">
-        <p:split orient="vert"/>
-      </p:transition>
+      <p:transition p14:dur="0"/>
     </mc:Choice>
     <mc:Fallback>
-      <p:transition xmlns:p14="http://schemas.microsoft.com/office/powerpoint/2010/main" spd="slow">
-        <p:split orient="vert"/>
-      </p:transition>
+      <p:transition xmlns:p14="http://schemas.microsoft.com/office/powerpoint/2010/main"/>
     </mc:Fallback>
   </mc:AlternateContent>
   <p:timing>
@@ -4435,13 +4426,13 @@
   <p:clrMapOvr>
     <a:masterClrMapping/>
   </p:clrMapOvr>
-  <mc:AlternateContent xmlns:mc="http://schemas.openxmlformats.org/markup-compatibility/2006">
-    <mc:Choice xmlns:p14="http://schemas.microsoft.com/office/powerpoint/2010/main" Requires="p14">
+  <mc:AlternateContent xmlns:mc="http://schemas.openxmlformats.org/markup-compatibility/2006" xmlns:p14="http://schemas.microsoft.com/office/powerpoint/2010/main">
+    <mc:Choice Requires="p14">
       <p:transition spd="med" p14:dur="700">
         <p:fade/>
       </p:transition>
     </mc:Choice>
-    <mc:Fallback>
+    <mc:Fallback xmlns="">
       <p:transition xmlns:p14="http://schemas.microsoft.com/office/powerpoint/2010/main" spd="med">
         <p:fade/>
       </p:transition>
@@ -4544,13 +4535,13 @@
   <p:clrMapOvr>
     <a:masterClrMapping/>
   </p:clrMapOvr>
-  <mc:AlternateContent xmlns:mc="http://schemas.openxmlformats.org/markup-compatibility/2006">
-    <mc:Choice xmlns:p14="http://schemas.microsoft.com/office/powerpoint/2010/main" Requires="p14">
+  <mc:AlternateContent xmlns:mc="http://schemas.openxmlformats.org/markup-compatibility/2006" xmlns:p14="http://schemas.microsoft.com/office/powerpoint/2010/main">
+    <mc:Choice Requires="p14">
       <p:transition spd="slow" p14:dur="900">
         <p14:warp dir="in"/>
       </p:transition>
     </mc:Choice>
-    <mc:Fallback>
+    <mc:Fallback xmlns="">
       <p:transition xmlns:p14="http://schemas.microsoft.com/office/powerpoint/2010/main" spd="slow">
         <p:fade/>
       </p:transition>
@@ -4653,13 +4644,13 @@
   <p:clrMapOvr>
     <a:masterClrMapping/>
   </p:clrMapOvr>
-  <mc:AlternateContent xmlns:mc="http://schemas.openxmlformats.org/markup-compatibility/2006">
-    <mc:Choice xmlns:p14="http://schemas.microsoft.com/office/powerpoint/2010/main" Requires="p14">
+  <mc:AlternateContent xmlns:mc="http://schemas.openxmlformats.org/markup-compatibility/2006" xmlns:p14="http://schemas.microsoft.com/office/powerpoint/2010/main">
+    <mc:Choice Requires="p14">
       <p:transition spd="slow" p14:dur="900">
         <p14:warp dir="in"/>
       </p:transition>
     </mc:Choice>
-    <mc:Fallback>
+    <mc:Fallback xmlns="">
       <p:transition xmlns:p14="http://schemas.microsoft.com/office/powerpoint/2010/main" spd="slow">
         <p:fade/>
       </p:transition>
@@ -4762,13 +4753,13 @@
   <p:clrMapOvr>
     <a:masterClrMapping/>
   </p:clrMapOvr>
-  <mc:AlternateContent xmlns:mc="http://schemas.openxmlformats.org/markup-compatibility/2006">
-    <mc:Choice xmlns:p14="http://schemas.microsoft.com/office/powerpoint/2010/main" Requires="p14">
+  <mc:AlternateContent xmlns:mc="http://schemas.openxmlformats.org/markup-compatibility/2006" xmlns:p14="http://schemas.microsoft.com/office/powerpoint/2010/main">
+    <mc:Choice Requires="p14">
       <p:transition spd="slow" p14:dur="900">
         <p14:warp dir="in"/>
       </p:transition>
     </mc:Choice>
-    <mc:Fallback>
+    <mc:Fallback xmlns="">
       <p:transition xmlns:p14="http://schemas.microsoft.com/office/powerpoint/2010/main" spd="slow">
         <p:fade/>
       </p:transition>
@@ -5014,23 +5005,7 @@
                   <a:schemeClr val="bg1"/>
                 </a:solidFill>
               </a:rPr>
-              <a:t>If we assume a constant saving of 150W: ~1300kWh or </a:t>
-            </a:r>
-            <a:r>
-              <a:rPr lang="en-US" dirty="0" smtClean="0">
-                <a:solidFill>
-                  <a:schemeClr val="bg1"/>
-                </a:solidFill>
-              </a:rPr>
-              <a:t>60e </a:t>
-            </a:r>
-            <a:r>
-              <a:rPr lang="en-US" dirty="0" smtClean="0">
-                <a:solidFill>
-                  <a:schemeClr val="bg1"/>
-                </a:solidFill>
-              </a:rPr>
-              <a:t>saved per year</a:t>
+              <a:t>If we assume a constant saving of 150W: ~1300kWh or 60e saved per year</a:t>
             </a:r>
           </a:p>
           <a:p>
@@ -5157,11 +5132,6 @@
               </a:rPr>
               <a:t>Low unit costs and scalable servers</a:t>
             </a:r>
-            <a:endParaRPr lang="en-US" dirty="0" smtClean="0">
-              <a:solidFill>
-                <a:schemeClr val="bg1"/>
-              </a:solidFill>
-            </a:endParaRPr>
           </a:p>
           <a:p>
             <a:r>
@@ -5220,11 +5190,6 @@
               </a:rPr>
               <a:t>Future developments: Power company deals and eco-friendly product advertising</a:t>
             </a:r>
-            <a:endParaRPr lang="en-US" dirty="0" smtClean="0">
-              <a:solidFill>
-                <a:schemeClr val="bg1"/>
-              </a:solidFill>
-            </a:endParaRPr>
           </a:p>
         </p:txBody>
       </p:sp>
@@ -5514,11 +5479,6 @@
               </a:rPr>
               <a:t>Demo</a:t>
             </a:r>
-            <a:endParaRPr lang="en-US" dirty="0" smtClean="0">
-              <a:solidFill>
-                <a:schemeClr val="bg1"/>
-              </a:solidFill>
-            </a:endParaRPr>
           </a:p>
         </p:txBody>
       </p:sp>
@@ -5595,31 +5555,18 @@
                   <a:schemeClr val="bg1"/>
                 </a:solidFill>
               </a:rPr>
-              <a:t>Energy prices will </a:t>
-            </a:r>
+              <a:t>Energy prices will increase</a:t>
+            </a:r>
+          </a:p>
+          <a:p>
             <a:r>
               <a:rPr lang="en-US" dirty="0" smtClean="0">
                 <a:solidFill>
                   <a:schemeClr val="bg1"/>
                 </a:solidFill>
               </a:rPr>
-              <a:t>increase</a:t>
-            </a:r>
-          </a:p>
-          <a:p>
-            <a:r>
-              <a:rPr lang="en-US" dirty="0" smtClean="0">
-                <a:solidFill>
-                  <a:schemeClr val="bg1"/>
-                </a:solidFill>
-              </a:rPr>
               <a:t>Pricing will become more complicated</a:t>
             </a:r>
-            <a:endParaRPr lang="en-US" dirty="0" smtClean="0">
-              <a:solidFill>
-                <a:schemeClr val="bg1"/>
-              </a:solidFill>
-            </a:endParaRPr>
           </a:p>
           <a:p>
             <a:r>
@@ -5749,11 +5696,11 @@
   <p:clrMapOvr>
     <a:masterClrMapping/>
   </p:clrMapOvr>
-  <mc:AlternateContent xmlns:mc="http://schemas.openxmlformats.org/markup-compatibility/2006">
-    <mc:Choice xmlns:p14="http://schemas.microsoft.com/office/powerpoint/2010/main" Requires="p14">
+  <mc:AlternateContent xmlns:mc="http://schemas.openxmlformats.org/markup-compatibility/2006" xmlns:p14="http://schemas.microsoft.com/office/powerpoint/2010/main">
+    <mc:Choice Requires="p14">
       <p:transition p14:dur="0"/>
     </mc:Choice>
-    <mc:Fallback>
+    <mc:Fallback xmlns="">
       <p:transition xmlns:p14="http://schemas.microsoft.com/office/powerpoint/2010/main"/>
     </mc:Fallback>
   </mc:AlternateContent>
@@ -5853,13 +5800,13 @@
   <p:clrMapOvr>
     <a:masterClrMapping/>
   </p:clrMapOvr>
-  <mc:AlternateContent xmlns:mc="http://schemas.openxmlformats.org/markup-compatibility/2006">
-    <mc:Choice xmlns:p14="http://schemas.microsoft.com/office/powerpoint/2010/main" Requires="p14">
+  <mc:AlternateContent xmlns:mc="http://schemas.openxmlformats.org/markup-compatibility/2006" xmlns:p14="http://schemas.microsoft.com/office/powerpoint/2010/main">
+    <mc:Choice Requires="p14">
       <p:transition spd="med" p14:dur="700">
         <p:fade/>
       </p:transition>
     </mc:Choice>
-    <mc:Fallback>
+    <mc:Fallback xmlns="">
       <p:transition xmlns:p14="http://schemas.microsoft.com/office/powerpoint/2010/main" spd="med">
         <p:fade/>
       </p:transition>

--- a/Documents/presentation_final_1.pptx
+++ b/Documents/presentation_final_1.pptx
@@ -131,7 +131,7 @@
 <file path=ppt/charts/chart1.xml><?xml version="1.0" encoding="utf-8"?>
 <c:chartSpace xmlns:c="http://schemas.openxmlformats.org/drawingml/2006/chart" xmlns:a="http://schemas.openxmlformats.org/drawingml/2006/main" xmlns:r="http://schemas.openxmlformats.org/officeDocument/2006/relationships">
   <c:date1904 val="0"/>
-  <c:lang val="en-US"/>
+  <c:lang val="fi-FI"/>
   <c:roundedCorners val="0"/>
   <mc:AlternateContent xmlns:mc="http://schemas.openxmlformats.org/markup-compatibility/2006">
     <mc:Choice xmlns:c14="http://schemas.microsoft.com/office/drawing/2007/8/2/chart" Requires="c14">
@@ -216,40 +216,40 @@
                 <c:formatCode>General</c:formatCode>
                 <c:ptCount val="12"/>
                 <c:pt idx="0">
-                  <c:v>8.0</c:v>
+                  <c:v>8</c:v>
                 </c:pt>
                 <c:pt idx="1">
-                  <c:v>8.0</c:v>
+                  <c:v>8</c:v>
                 </c:pt>
                 <c:pt idx="2">
-                  <c:v>8.0</c:v>
+                  <c:v>8</c:v>
                 </c:pt>
                 <c:pt idx="3">
-                  <c:v>8.0</c:v>
+                  <c:v>8</c:v>
                 </c:pt>
                 <c:pt idx="4">
-                  <c:v>8.0</c:v>
+                  <c:v>8</c:v>
                 </c:pt>
                 <c:pt idx="5">
-                  <c:v>8.0</c:v>
+                  <c:v>8</c:v>
                 </c:pt>
                 <c:pt idx="6">
-                  <c:v>8.0</c:v>
+                  <c:v>8</c:v>
                 </c:pt>
                 <c:pt idx="7">
-                  <c:v>8.0</c:v>
+                  <c:v>8</c:v>
                 </c:pt>
                 <c:pt idx="8">
-                  <c:v>8.0</c:v>
+                  <c:v>8</c:v>
                 </c:pt>
                 <c:pt idx="9">
-                  <c:v>8.0</c:v>
+                  <c:v>8</c:v>
                 </c:pt>
                 <c:pt idx="10">
-                  <c:v>8.0</c:v>
+                  <c:v>8</c:v>
                 </c:pt>
                 <c:pt idx="11">
-                  <c:v>8.0</c:v>
+                  <c:v>8</c:v>
                 </c:pt>
               </c:numCache>
             </c:numRef>
@@ -266,11 +266,11 @@
         </c:dLbls>
         <c:marker val="1"/>
         <c:smooth val="0"/>
-        <c:axId val="430937656"/>
-        <c:axId val="430940840"/>
+        <c:axId val="88815872"/>
+        <c:axId val="88817664"/>
       </c:lineChart>
       <c:catAx>
-        <c:axId val="430937656"/>
+        <c:axId val="88815872"/>
         <c:scaling>
           <c:orientation val="minMax"/>
         </c:scaling>
@@ -290,10 +290,10 @@
                 </a:solidFill>
               </a:defRPr>
             </a:pPr>
-            <a:endParaRPr lang="en-US"/>
+            <a:endParaRPr lang="fi-FI"/>
           </a:p>
         </c:txPr>
-        <c:crossAx val="430940840"/>
+        <c:crossAx val="88817664"/>
         <c:crosses val="autoZero"/>
         <c:auto val="1"/>
         <c:lblAlgn val="ctr"/>
@@ -301,10 +301,10 @@
         <c:noMultiLvlLbl val="0"/>
       </c:catAx>
       <c:valAx>
-        <c:axId val="430940840"/>
+        <c:axId val="88817664"/>
         <c:scaling>
           <c:orientation val="minMax"/>
-          <c:max val="25.0"/>
+          <c:max val="25"/>
         </c:scaling>
         <c:delete val="1"/>
         <c:axPos val="l"/>
@@ -313,7 +313,7 @@
         <c:majorTickMark val="none"/>
         <c:minorTickMark val="none"/>
         <c:tickLblPos val="nextTo"/>
-        <c:crossAx val="430937656"/>
+        <c:crossAx val="88815872"/>
         <c:crosses val="autoZero"/>
         <c:crossBetween val="between"/>
       </c:valAx>
@@ -329,7 +329,7 @@
       <a:pPr>
         <a:defRPr sz="1800"/>
       </a:pPr>
-      <a:endParaRPr lang="en-US"/>
+      <a:endParaRPr lang="fi-FI"/>
     </a:p>
   </c:txPr>
   <c:externalData r:id="rId1">
@@ -341,7 +341,7 @@
 <file path=ppt/charts/chart2.xml><?xml version="1.0" encoding="utf-8"?>
 <c:chartSpace xmlns:c="http://schemas.openxmlformats.org/drawingml/2006/chart" xmlns:a="http://schemas.openxmlformats.org/drawingml/2006/main" xmlns:r="http://schemas.openxmlformats.org/officeDocument/2006/relationships">
   <c:date1904 val="0"/>
-  <c:lang val="en-US"/>
+  <c:lang val="fi-FI"/>
   <c:roundedCorners val="0"/>
   <mc:AlternateContent xmlns:mc="http://schemas.openxmlformats.org/markup-compatibility/2006">
     <mc:Choice xmlns:c14="http://schemas.microsoft.com/office/drawing/2007/8/2/chart" Requires="c14">
@@ -427,40 +427,40 @@
                 <c:formatCode>General</c:formatCode>
                 <c:ptCount val="12"/>
                 <c:pt idx="0">
-                  <c:v>20.0</c:v>
+                  <c:v>20</c:v>
                 </c:pt>
                 <c:pt idx="1">
-                  <c:v>16.0</c:v>
+                  <c:v>16</c:v>
                 </c:pt>
                 <c:pt idx="2">
-                  <c:v>15.0</c:v>
+                  <c:v>15</c:v>
                 </c:pt>
                 <c:pt idx="3">
-                  <c:v>12.0</c:v>
+                  <c:v>12</c:v>
                 </c:pt>
                 <c:pt idx="4">
-                  <c:v>8.0</c:v>
+                  <c:v>8</c:v>
                 </c:pt>
                 <c:pt idx="5">
-                  <c:v>5.0</c:v>
+                  <c:v>5</c:v>
                 </c:pt>
                 <c:pt idx="6">
-                  <c:v>5.0</c:v>
+                  <c:v>5</c:v>
                 </c:pt>
                 <c:pt idx="7">
-                  <c:v>7.0</c:v>
+                  <c:v>7</c:v>
                 </c:pt>
                 <c:pt idx="8">
-                  <c:v>10.0</c:v>
+                  <c:v>10</c:v>
                 </c:pt>
                 <c:pt idx="9">
-                  <c:v>13.0</c:v>
+                  <c:v>13</c:v>
                 </c:pt>
                 <c:pt idx="10">
-                  <c:v>16.0</c:v>
+                  <c:v>16</c:v>
                 </c:pt>
                 <c:pt idx="11">
-                  <c:v>20.0</c:v>
+                  <c:v>20</c:v>
                 </c:pt>
               </c:numCache>
             </c:numRef>
@@ -477,11 +477,11 @@
         </c:dLbls>
         <c:marker val="1"/>
         <c:smooth val="0"/>
-        <c:axId val="677468920"/>
-        <c:axId val="677472104"/>
+        <c:axId val="92499968"/>
+        <c:axId val="92501504"/>
       </c:lineChart>
       <c:catAx>
-        <c:axId val="677468920"/>
+        <c:axId val="92499968"/>
         <c:scaling>
           <c:orientation val="minMax"/>
         </c:scaling>
@@ -501,10 +501,10 @@
                 </a:solidFill>
               </a:defRPr>
             </a:pPr>
-            <a:endParaRPr lang="en-US"/>
+            <a:endParaRPr lang="fi-FI"/>
           </a:p>
         </c:txPr>
-        <c:crossAx val="677472104"/>
+        <c:crossAx val="92501504"/>
         <c:crosses val="autoZero"/>
         <c:auto val="1"/>
         <c:lblAlgn val="ctr"/>
@@ -512,10 +512,10 @@
         <c:noMultiLvlLbl val="0"/>
       </c:catAx>
       <c:valAx>
-        <c:axId val="677472104"/>
+        <c:axId val="92501504"/>
         <c:scaling>
           <c:orientation val="minMax"/>
-          <c:max val="25.0"/>
+          <c:max val="25"/>
         </c:scaling>
         <c:delete val="1"/>
         <c:axPos val="l"/>
@@ -524,7 +524,7 @@
         <c:majorTickMark val="none"/>
         <c:minorTickMark val="none"/>
         <c:tickLblPos val="nextTo"/>
-        <c:crossAx val="677468920"/>
+        <c:crossAx val="92499968"/>
         <c:crosses val="autoZero"/>
         <c:crossBetween val="between"/>
       </c:valAx>
@@ -540,7 +540,7 @@
       <a:pPr>
         <a:defRPr sz="1800"/>
       </a:pPr>
-      <a:endParaRPr lang="en-US"/>
+      <a:endParaRPr lang="fi-FI"/>
     </a:p>
   </c:txPr>
   <c:externalData r:id="rId2">
@@ -631,7 +631,7 @@
           <a:p>
             <a:fld id="{025083CB-0323-5E49-BDD1-CB8EDF659055}" type="datetimeFigureOut">
               <a:rPr lang="en-US" smtClean="0"/>
-              <a:t>3.5.2011</a:t>
+              <a:t>5/3/2011</a:t>
             </a:fld>
             <a:endParaRPr lang="en-US"/>
           </a:p>
@@ -4087,7 +4087,7 @@
   <p:timing>
     <p:tnLst>
       <p:par>
-        <p:cTn xmlns:p14="http://schemas.microsoft.com/office/powerpoint/2010/main" id="1" dur="indefinite" restart="never" nodeType="tmRoot"/>
+        <p:cTn id="1" dur="indefinite" restart="never" nodeType="tmRoot"/>
       </p:par>
     </p:tnLst>
   </p:timing>
@@ -4227,7 +4227,7 @@
   <p:timing>
     <p:tnLst>
       <p:par>
-        <p:cTn xmlns:p14="http://schemas.microsoft.com/office/powerpoint/2010/main" id="1" dur="indefinite" restart="never" nodeType="tmRoot"/>
+        <p:cTn id="1" dur="indefinite" restart="never" nodeType="tmRoot"/>
       </p:par>
     </p:tnLst>
   </p:timing>
@@ -4321,18 +4321,18 @@
   <p:clrMapOvr>
     <a:masterClrMapping/>
   </p:clrMapOvr>
-  <mc:AlternateContent xmlns:mc="http://schemas.openxmlformats.org/markup-compatibility/2006">
-    <mc:Choice xmlns:p14="http://schemas.microsoft.com/office/powerpoint/2010/main" Requires="p14">
+  <mc:AlternateContent xmlns:mc="http://schemas.openxmlformats.org/markup-compatibility/2006" xmlns:p14="http://schemas.microsoft.com/office/powerpoint/2010/main">
+    <mc:Choice Requires="p14">
       <p:transition p14:dur="0"/>
     </mc:Choice>
-    <mc:Fallback>
+    <mc:Fallback xmlns="">
       <p:transition xmlns:p14="http://schemas.microsoft.com/office/powerpoint/2010/main"/>
     </mc:Fallback>
   </mc:AlternateContent>
   <p:timing>
     <p:tnLst>
       <p:par>
-        <p:cTn xmlns:p14="http://schemas.microsoft.com/office/powerpoint/2010/main" id="1" dur="indefinite" restart="never" nodeType="tmRoot"/>
+        <p:cTn id="1" dur="indefinite" restart="never" nodeType="tmRoot"/>
       </p:par>
     </p:tnLst>
   </p:timing>
@@ -4441,7 +4441,7 @@
   <p:timing>
     <p:tnLst>
       <p:par>
-        <p:cTn xmlns:p14="http://schemas.microsoft.com/office/powerpoint/2010/main" id="1" dur="indefinite" restart="never" nodeType="tmRoot"/>
+        <p:cTn id="1" dur="indefinite" restart="never" nodeType="tmRoot"/>
       </p:par>
     </p:tnLst>
   </p:timing>
@@ -4550,7 +4550,7 @@
   <p:timing>
     <p:tnLst>
       <p:par>
-        <p:cTn xmlns:p14="http://schemas.microsoft.com/office/powerpoint/2010/main" id="1" dur="indefinite" restart="never" nodeType="tmRoot"/>
+        <p:cTn id="1" dur="indefinite" restart="never" nodeType="tmRoot"/>
       </p:par>
     </p:tnLst>
   </p:timing>
@@ -4659,7 +4659,7 @@
   <p:timing>
     <p:tnLst>
       <p:par>
-        <p:cTn xmlns:p14="http://schemas.microsoft.com/office/powerpoint/2010/main" id="1" dur="indefinite" restart="never" nodeType="tmRoot"/>
+        <p:cTn id="1" dur="indefinite" restart="never" nodeType="tmRoot"/>
       </p:par>
     </p:tnLst>
   </p:timing>
@@ -4768,7 +4768,7 @@
   <p:timing>
     <p:tnLst>
       <p:par>
-        <p:cTn xmlns:p14="http://schemas.microsoft.com/office/powerpoint/2010/main" id="1" dur="indefinite" restart="never" nodeType="tmRoot"/>
+        <p:cTn id="1" dur="indefinite" restart="never" nodeType="tmRoot"/>
       </p:par>
     </p:tnLst>
   </p:timing>
@@ -4930,7 +4930,7 @@
   <p:timing>
     <p:tnLst>
       <p:par>
-        <p:cTn xmlns:p14="http://schemas.microsoft.com/office/powerpoint/2010/main" id="1" dur="indefinite" restart="never" nodeType="tmRoot"/>
+        <p:cTn id="1" dur="indefinite" restart="never" nodeType="tmRoot"/>
       </p:par>
     </p:tnLst>
   </p:timing>
@@ -5075,7 +5075,7 @@
   <p:timing>
     <p:tnLst>
       <p:par>
-        <p:cTn xmlns:p14="http://schemas.microsoft.com/office/powerpoint/2010/main" id="1" dur="indefinite" restart="never" nodeType="tmRoot"/>
+        <p:cTn id="1" dur="indefinite" restart="never" nodeType="tmRoot"/>
       </p:par>
     </p:tnLst>
   </p:timing>
@@ -5206,7 +5206,7 @@
   <p:timing>
     <p:tnLst>
       <p:par>
-        <p:cTn xmlns:p14="http://schemas.microsoft.com/office/powerpoint/2010/main" id="1" dur="indefinite" restart="never" nodeType="tmRoot"/>
+        <p:cTn id="1" dur="indefinite" restart="never" nodeType="tmRoot"/>
       </p:par>
     </p:tnLst>
   </p:timing>
@@ -5331,7 +5331,7 @@
   <p:timing>
     <p:tnLst>
       <p:par>
-        <p:cTn xmlns:p14="http://schemas.microsoft.com/office/powerpoint/2010/main" id="1" dur="indefinite" restart="never" nodeType="tmRoot"/>
+        <p:cTn id="1" dur="indefinite" restart="never" nodeType="tmRoot"/>
       </p:par>
     </p:tnLst>
   </p:timing>
@@ -5490,7 +5490,7 @@
   <p:timing>
     <p:tnLst>
       <p:par>
-        <p:cTn xmlns:p14="http://schemas.microsoft.com/office/powerpoint/2010/main" id="1" dur="indefinite" restart="never" nodeType="tmRoot"/>
+        <p:cTn id="1" dur="indefinite" restart="never" nodeType="tmRoot"/>
       </p:par>
     </p:tnLst>
   </p:timing>
@@ -5532,7 +5532,7 @@
         </p:spPr>
         <p:txBody>
           <a:bodyPr>
-            <a:normAutofit fontScale="92500"/>
+            <a:normAutofit fontScale="92500" lnSpcReduction="10000"/>
           </a:bodyPr>
           <a:lstStyle/>
           <a:p>
@@ -5575,7 +5575,31 @@
                   <a:schemeClr val="bg1"/>
                 </a:solidFill>
               </a:rPr>
-              <a:t>People will become more interested in energy consumption</a:t>
+              <a:t>People will </a:t>
+            </a:r>
+            <a:r>
+              <a:rPr lang="en-US" dirty="0" smtClean="0">
+                <a:solidFill>
+                  <a:schemeClr val="bg1"/>
+                </a:solidFill>
+              </a:rPr>
+              <a:t>become more concerned about </a:t>
+            </a:r>
+            <a:r>
+              <a:rPr lang="en-US" smtClean="0">
+                <a:solidFill>
+                  <a:schemeClr val="bg1"/>
+                </a:solidFill>
+              </a:rPr>
+              <a:t>energy consumption </a:t>
+            </a:r>
+            <a:r>
+              <a:rPr lang="en-US" dirty="0" smtClean="0">
+                <a:solidFill>
+                  <a:schemeClr val="bg1"/>
+                </a:solidFill>
+              </a:rPr>
+              <a:t>more interested in energy consumption</a:t>
             </a:r>
           </a:p>
           <a:p>
@@ -5603,7 +5627,7 @@
   <p:timing>
     <p:tnLst>
       <p:par>
-        <p:cTn xmlns:p14="http://schemas.microsoft.com/office/powerpoint/2010/main" id="1" dur="indefinite" restart="never" nodeType="tmRoot"/>
+        <p:cTn id="1" dur="indefinite" restart="never" nodeType="tmRoot"/>
       </p:par>
     </p:tnLst>
   </p:timing>
@@ -5707,7 +5731,7 @@
   <p:timing>
     <p:tnLst>
       <p:par>
-        <p:cTn xmlns:p14="http://schemas.microsoft.com/office/powerpoint/2010/main" id="1" dur="indefinite" restart="never" nodeType="tmRoot"/>
+        <p:cTn id="1" dur="indefinite" restart="never" nodeType="tmRoot"/>
       </p:par>
     </p:tnLst>
   </p:timing>
@@ -5815,7 +5839,7 @@
   <p:timing>
     <p:tnLst>
       <p:par>
-        <p:cTn xmlns:p14="http://schemas.microsoft.com/office/powerpoint/2010/main" id="1" dur="indefinite" restart="never" nodeType="tmRoot"/>
+        <p:cTn id="1" dur="indefinite" restart="never" nodeType="tmRoot"/>
       </p:par>
     </p:tnLst>
   </p:timing>
@@ -5923,7 +5947,7 @@
   <p:timing>
     <p:tnLst>
       <p:par>
-        <p:cTn xmlns:p14="http://schemas.microsoft.com/office/powerpoint/2010/main" id="1" dur="indefinite" restart="never" nodeType="tmRoot"/>
+        <p:cTn id="1" dur="indefinite" restart="never" nodeType="tmRoot"/>
       </p:par>
     </p:tnLst>
   </p:timing>
@@ -6079,7 +6103,7 @@
   <p:timing>
     <p:tnLst>
       <p:par>
-        <p:cTn xmlns:p14="http://schemas.microsoft.com/office/powerpoint/2010/main" id="1" dur="indefinite" restart="never" nodeType="tmRoot"/>
+        <p:cTn id="1" dur="indefinite" restart="never" nodeType="tmRoot"/>
       </p:par>
     </p:tnLst>
   </p:timing>
@@ -6219,7 +6243,7 @@
   <p:timing>
     <p:tnLst>
       <p:par>
-        <p:cTn xmlns:p14="http://schemas.microsoft.com/office/powerpoint/2010/main" id="1" dur="indefinite" restart="never" nodeType="tmRoot"/>
+        <p:cTn id="1" dur="indefinite" restart="never" nodeType="tmRoot"/>
       </p:par>
     </p:tnLst>
   </p:timing>
@@ -6390,7 +6414,7 @@
   <p:timing>
     <p:tnLst>
       <p:par>
-        <p:cTn xmlns:p14="http://schemas.microsoft.com/office/powerpoint/2010/main" id="1" dur="indefinite" restart="never" nodeType="tmRoot"/>
+        <p:cTn id="1" dur="indefinite" restart="never" nodeType="tmRoot"/>
       </p:par>
     </p:tnLst>
   </p:timing>
